--- a/relatorio e slide/apresentacao.pptx
+++ b/relatorio e slide/apresentacao.pptx
@@ -4177,7 +4177,7 @@
         <p:spPr>
           <a:xfrm>
             <a:off x="661738" y="2042302"/>
-            <a:ext cx="10394707" cy="3311189"/>
+            <a:ext cx="10394707" cy="4172761"/>
           </a:xfrm>
         </p:spPr>
         <p:txBody>
@@ -4257,7 +4257,33 @@
             </a:endParaRPr>
           </a:p>
           <a:p>
-            <a:endParaRPr lang="pt-BR" sz="1800" dirty="0"/>
+            <a:pPr lvl="1"/>
+            <a:r>
+              <a:rPr lang="pt-BR" dirty="0"/>
+              <a:t>N = quantidade de imagens</a:t>
+            </a:r>
+          </a:p>
+          <a:p>
+            <a:pPr lvl="1"/>
+            <a:r>
+              <a:rPr lang="pt-BR" dirty="0"/>
+              <a:t>H e W = dimensões das imagens</a:t>
+            </a:r>
+          </a:p>
+          <a:p>
+            <a:pPr lvl="1"/>
+            <a:r>
+              <a:rPr lang="pt-BR" dirty="0"/>
+              <a:t>F = quantidade de </a:t>
+            </a:r>
+            <a:r>
+              <a:rPr lang="pt-BR" dirty="0" err="1"/>
+              <a:t>features</a:t>
+            </a:r>
+            <a:r>
+              <a:rPr lang="pt-BR" dirty="0"/>
+              <a:t> extraídas</a:t>
+            </a:r>
           </a:p>
         </p:txBody>
       </p:sp>
